--- a/presentations/final-presentations/2020-08-06-atpesc/06-agile-redux.pptx
+++ b/presentations/final-presentations/2020-08-06-atpesc/06-agile-redux.pptx
@@ -13,7 +13,7 @@
   </p:handoutMasterIdLst>
   <p:sldIdLst>
     <p:sldId id="332" r:id="rId3"/>
-    <p:sldId id="320" r:id="rId4"/>
+    <p:sldId id="1828" r:id="rId4"/>
     <p:sldId id="289" r:id="rId5"/>
     <p:sldId id="329" r:id="rId6"/>
     <p:sldId id="271" r:id="rId7"/>
@@ -294,7 +294,7 @@
               <a:rPr lang="en-US" smtClean="0">
                 <a:uFillTx/>
               </a:rPr>
-              <a:t>8/3/2020</a:t>
+              <a:t>8/5/2020</a:t>
             </a:fld>
             <a:endParaRPr lang="en-US" dirty="0">
               <a:uFillTx/>
@@ -479,7 +479,7 @@
               <a:rPr lang="en-US" smtClean="0">
                 <a:uFillTx/>
               </a:rPr>
-              <a:t>8/3/2020</a:t>
+              <a:t>8/5/2020</a:t>
             </a:fld>
             <a:endParaRPr lang="en-US" dirty="0">
               <a:uFillTx/>
@@ -12015,7 +12015,7 @@
             </a:r>
             <a:r>
               <a:rPr lang="en-US" sz="1600" b="1" dirty="0"/>
-              <a:t>, Software Productivity Track, in Argonne Training Program for Extreme Scale Computing (ATPESC), online. DOI: </a:t>
+              <a:t>, Software Productivity Track, in Argonne Training Program for Extreme Scale Computing (ATPESC), August 2020, online. DOI: </a:t>
             </a:r>
             <a:r>
               <a:rPr lang="en-US" sz="1600" b="1" dirty="0">
@@ -12046,6 +12046,9 @@
           </a:p>
           <a:p>
             <a:pPr marL="0" indent="0">
+              <a:spcBef>
+                <a:spcPts val="800"/>
+              </a:spcBef>
               <a:buNone/>
             </a:pPr>
             <a:r>
@@ -12077,7 +12080,7 @@
             </a:r>
             <a:r>
               <a:rPr lang="en-US" sz="1600" dirty="0"/>
-              <a:t>, Jared O’Neal, David Rogers</a:t>
+              <a:t>, Jared O’Neal, David Rogers, Deborah Stevens</a:t>
             </a:r>
           </a:p>
           <a:p>
@@ -12153,7 +12156,7 @@
             </a:pPr>
             <a:r>
               <a:rPr lang="en-US" sz="1600" dirty="0"/>
-              <a:t>This work was performed in part at Sandia National Laboratories. Sandia National Laboratories is a multi-mission laboratory managed and operated by National Technology and Engineering Solutions of Sandia, LLC., a wholly owned subsidiary of Honeywell International, Inc., for the U.S. Department of Energy’s National Nuclear Security Administration under contract DE-NA0003525. SAND NO SAND2020-7957 PE</a:t>
+              <a:t>This work was performed in part at Sandia National Laboratories. Sandia National Laboratories is a multi-mission laboratory managed and operated by National Technology and Engineering Solutions of Sandia, LLC., a wholly owned subsidiary of Honeywell International, Inc., for the U.S. Department of Energy’s National Nuclear Security Administration under contract DE-NA0003525. SAND2020-7957 PE</a:t>
             </a:r>
           </a:p>
         </p:txBody>
@@ -12208,7 +12211,7 @@
     </p:spTree>
     <p:extLst>
       <p:ext uri="{BB962C8B-B14F-4D97-AF65-F5344CB8AC3E}">
-        <p14:creationId xmlns:p14="http://schemas.microsoft.com/office/powerpoint/2010/main" val="3126013647"/>
+        <p14:creationId xmlns:p14="http://schemas.microsoft.com/office/powerpoint/2010/main" val="978726433"/>
       </p:ext>
     </p:extLst>
   </p:cSld>

--- a/presentations/final-presentations/2020-08-06-atpesc/06-agile-redux.pptx
+++ b/presentations/final-presentations/2020-08-06-atpesc/06-agile-redux.pptx
@@ -294,7 +294,7 @@
               <a:rPr lang="en-US" smtClean="0">
                 <a:uFillTx/>
               </a:rPr>
-              <a:t>8/5/2020</a:t>
+              <a:t>8/6/20</a:t>
             </a:fld>
             <a:endParaRPr lang="en-US" dirty="0">
               <a:uFillTx/>
@@ -479,7 +479,7 @@
               <a:rPr lang="en-US" smtClean="0">
                 <a:uFillTx/>
               </a:rPr>
-              <a:t>8/5/2020</a:t>
+              <a:t>8/6/20</a:t>
             </a:fld>
             <a:endParaRPr lang="en-US" dirty="0">
               <a:uFillTx/>
@@ -9270,7 +9270,7 @@
             </a:br>
             <a:r>
               <a:rPr lang="en-US" sz="2400" dirty="0"/>
-              <a:t>Examples: EXAALT &amp; MPICH – Add PSIP URL</a:t>
+              <a:t>Examples: EXAALT &amp; MPICH</a:t>
             </a:r>
           </a:p>
         </p:txBody>
@@ -9293,7 +9293,7 @@
         </p:nvSpPr>
         <p:spPr>
           <a:xfrm>
-            <a:off x="603550" y="3910425"/>
+            <a:off x="586063" y="3572879"/>
             <a:ext cx="5315677" cy="2391015"/>
           </a:xfrm>
           <a:solidFill>
@@ -9366,7 +9366,7 @@
         </p:blipFill>
         <p:spPr>
           <a:xfrm>
-            <a:off x="1778400" y="4742941"/>
+            <a:off x="1778400" y="4305625"/>
             <a:ext cx="3224728" cy="1558499"/>
           </a:xfrm>
           <a:prstGeom prst="rect">
@@ -9970,7 +9970,7 @@
         </p:blipFill>
         <p:spPr>
           <a:xfrm>
-            <a:off x="603550" y="980834"/>
+            <a:off x="603550" y="782054"/>
             <a:ext cx="5126278" cy="2791616"/>
           </a:xfrm>
           <a:prstGeom prst="rect">
@@ -9978,6 +9978,59 @@
           </a:prstGeom>
         </p:spPr>
       </p:pic>
+      <p:sp>
+        <p:nvSpPr>
+          <p:cNvPr id="8" name="TextBox 7">
+            <a:extLst>
+              <a:ext uri="{FF2B5EF4-FFF2-40B4-BE49-F238E27FC236}">
+                <a16:creationId xmlns:a16="http://schemas.microsoft.com/office/drawing/2014/main" id="{48C1B6A9-1B43-504E-93C6-B8DFD1744E56}"/>
+              </a:ext>
+            </a:extLst>
+          </p:cNvPr>
+          <p:cNvSpPr txBox="1"/>
+          <p:nvPr/>
+        </p:nvSpPr>
+        <p:spPr>
+          <a:xfrm>
+            <a:off x="603550" y="5994261"/>
+            <a:ext cx="5410718" cy="840230"/>
+          </a:xfrm>
+          <a:prstGeom prst="rect">
+            <a:avLst/>
+          </a:prstGeom>
+          <a:noFill/>
+        </p:spPr>
+        <p:txBody>
+          <a:bodyPr wrap="square" rtlCol="0">
+            <a:spAutoFit/>
+          </a:bodyPr>
+          <a:lstStyle/>
+          <a:p>
+            <a:pPr algn="ctr">
+              <a:lnSpc>
+                <a:spcPct val="90000"/>
+              </a:lnSpc>
+            </a:pPr>
+            <a:r>
+              <a:rPr lang="en-US" dirty="0">
+                <a:hlinkClick r:id="rId6"/>
+              </a:rPr>
+              <a:t>https://bssw.io/blog_posts/productivity-and-sustainability-improvement-planning-psip</a:t>
+            </a:r>
+            <a:endParaRPr lang="en-US" dirty="0"/>
+          </a:p>
+          <a:p>
+            <a:pPr algn="ctr">
+              <a:lnSpc>
+                <a:spcPct val="90000"/>
+              </a:lnSpc>
+            </a:pPr>
+            <a:endParaRPr lang="en-US" dirty="0">
+              <a:uFillTx/>
+            </a:endParaRPr>
+          </a:p>
+        </p:txBody>
+      </p:sp>
     </p:spTree>
     <p:extLst>
       <p:ext uri="{BB962C8B-B14F-4D97-AF65-F5344CB8AC3E}">
